--- a/Standardized 3.0/Standardized XML 3.0.pptx
+++ b/Standardized 3.0/Standardized XML 3.0.pptx
@@ -150,89 +150,7 @@
     <pc:chgData name="Kyle Taysom" userId="S::ktaysom@dairylandlabs.com::d5b1fbf4-2e61-4aa1-9ec9-82decbed1c1b" providerId="AD" clId="Web-{99C093EC-7F9F-4AAF-AB79-0F510A13086C}"/>
   </pc:docChgLst>
   <pc:docChgLst>
-    <pc:chgData name="Kyle Taysom" userId="d5b1fbf4-2e61-4aa1-9ec9-82decbed1c1b" providerId="ADAL" clId="{31867A92-B162-4ED7-B77F-8002981A814B}"/>
-    <pc:docChg chg="custSel addSld delSld modSld">
-      <pc:chgData name="Kyle Taysom" userId="d5b1fbf4-2e61-4aa1-9ec9-82decbed1c1b" providerId="ADAL" clId="{31867A92-B162-4ED7-B77F-8002981A814B}" dt="2018-10-10T18:09:10.102" v="590" actId="20577"/>
-      <pc:docMkLst>
-        <pc:docMk/>
-      </pc:docMkLst>
-      <pc:sldChg chg="modSp">
-        <pc:chgData name="Kyle Taysom" userId="d5b1fbf4-2e61-4aa1-9ec9-82decbed1c1b" providerId="ADAL" clId="{31867A92-B162-4ED7-B77F-8002981A814B}" dt="2018-10-10T18:06:20.960" v="557" actId="20577"/>
-        <pc:sldMkLst>
-          <pc:docMk/>
-          <pc:sldMk cId="54518866" sldId="265"/>
-        </pc:sldMkLst>
-        <pc:spChg chg="mod">
-          <ac:chgData name="Kyle Taysom" userId="d5b1fbf4-2e61-4aa1-9ec9-82decbed1c1b" providerId="ADAL" clId="{31867A92-B162-4ED7-B77F-8002981A814B}" dt="2018-10-10T18:03:21.456" v="291" actId="20577"/>
-          <ac:spMkLst>
-            <pc:docMk/>
-            <pc:sldMk cId="54518866" sldId="265"/>
-            <ac:spMk id="2" creationId="{E399168B-6E37-4A02-BB83-CF32903E10CA}"/>
-          </ac:spMkLst>
-        </pc:spChg>
-        <pc:spChg chg="mod">
-          <ac:chgData name="Kyle Taysom" userId="d5b1fbf4-2e61-4aa1-9ec9-82decbed1c1b" providerId="ADAL" clId="{31867A92-B162-4ED7-B77F-8002981A814B}" dt="2018-10-10T18:06:20.960" v="557" actId="20577"/>
-          <ac:spMkLst>
-            <pc:docMk/>
-            <pc:sldMk cId="54518866" sldId="265"/>
-            <ac:spMk id="3" creationId="{246D6AE6-CBF8-409B-AA9D-86B58E628480}"/>
-          </ac:spMkLst>
-        </pc:spChg>
-      </pc:sldChg>
-      <pc:sldChg chg="modSp">
-        <pc:chgData name="Kyle Taysom" userId="d5b1fbf4-2e61-4aa1-9ec9-82decbed1c1b" providerId="ADAL" clId="{31867A92-B162-4ED7-B77F-8002981A814B}" dt="2018-10-10T18:09:10.102" v="590" actId="20577"/>
-        <pc:sldMkLst>
-          <pc:docMk/>
-          <pc:sldMk cId="3243930728" sldId="271"/>
-        </pc:sldMkLst>
-        <pc:graphicFrameChg chg="modGraphic">
-          <ac:chgData name="Kyle Taysom" userId="d5b1fbf4-2e61-4aa1-9ec9-82decbed1c1b" providerId="ADAL" clId="{31867A92-B162-4ED7-B77F-8002981A814B}" dt="2018-10-10T18:09:10.102" v="590" actId="20577"/>
-          <ac:graphicFrameMkLst>
-            <pc:docMk/>
-            <pc:sldMk cId="3243930728" sldId="271"/>
-            <ac:graphicFrameMk id="4" creationId="{8EDB451F-12B8-4EAE-BB82-8FBE960EA5C2}"/>
-          </ac:graphicFrameMkLst>
-        </pc:graphicFrameChg>
-      </pc:sldChg>
-      <pc:sldChg chg="modSp">
-        <pc:chgData name="Kyle Taysom" userId="d5b1fbf4-2e61-4aa1-9ec9-82decbed1c1b" providerId="ADAL" clId="{31867A92-B162-4ED7-B77F-8002981A814B}" dt="2018-10-10T18:08:40.815" v="589" actId="27636"/>
-        <pc:sldMkLst>
-          <pc:docMk/>
-          <pc:sldMk cId="4148816663" sldId="276"/>
-        </pc:sldMkLst>
-        <pc:spChg chg="mod">
-          <ac:chgData name="Kyle Taysom" userId="d5b1fbf4-2e61-4aa1-9ec9-82decbed1c1b" providerId="ADAL" clId="{31867A92-B162-4ED7-B77F-8002981A814B}" dt="2018-10-10T18:08:40.815" v="589" actId="27636"/>
-          <ac:spMkLst>
-            <pc:docMk/>
-            <pc:sldMk cId="4148816663" sldId="276"/>
-            <ac:spMk id="3" creationId="{FF376C34-0BB9-4DF2-8794-E9A6871A5BEB}"/>
-          </ac:spMkLst>
-        </pc:spChg>
-      </pc:sldChg>
-      <pc:sldChg chg="modSp add del">
-        <pc:chgData name="Kyle Taysom" userId="d5b1fbf4-2e61-4aa1-9ec9-82decbed1c1b" providerId="ADAL" clId="{31867A92-B162-4ED7-B77F-8002981A814B}" dt="2018-10-10T18:06:27.565" v="558" actId="2696"/>
-        <pc:sldMkLst>
-          <pc:docMk/>
-          <pc:sldMk cId="1399424597" sldId="290"/>
-        </pc:sldMkLst>
-        <pc:spChg chg="mod">
-          <ac:chgData name="Kyle Taysom" userId="d5b1fbf4-2e61-4aa1-9ec9-82decbed1c1b" providerId="ADAL" clId="{31867A92-B162-4ED7-B77F-8002981A814B}" dt="2018-10-10T18:01:14.932" v="14" actId="20577"/>
-          <ac:spMkLst>
-            <pc:docMk/>
-            <pc:sldMk cId="1399424597" sldId="290"/>
-            <ac:spMk id="2" creationId="{17E60FC3-C7CB-41B2-B291-BEFC94EE3A3E}"/>
-          </ac:spMkLst>
-        </pc:spChg>
-        <pc:spChg chg="mod">
-          <ac:chgData name="Kyle Taysom" userId="d5b1fbf4-2e61-4aa1-9ec9-82decbed1c1b" providerId="ADAL" clId="{31867A92-B162-4ED7-B77F-8002981A814B}" dt="2018-10-10T18:03:28.651" v="292"/>
-          <ac:spMkLst>
-            <pc:docMk/>
-            <pc:sldMk cId="1399424597" sldId="290"/>
-            <ac:spMk id="3" creationId="{3E87BDB4-5855-4947-A713-95C3FA543463}"/>
-          </ac:spMkLst>
-        </pc:spChg>
-      </pc:sldChg>
-    </pc:docChg>
+    <pc:chgData name="Kyle Taysom" userId="d5b1fbf4-2e61-4aa1-9ec9-82decbed1c1b" providerId="ADAL" clId="{BEF62FEF-E588-42E6-914A-B6C9E9866D80}"/>
   </pc:docChgLst>
   <pc:docChgLst>
     <pc:chgData name="Kyle Taysom" userId="d5b1fbf4-2e61-4aa1-9ec9-82decbed1c1b" providerId="ADAL" clId="{C492D94E-5FD9-4F8A-8CCE-55844B948DC5}"/>
@@ -1268,7 +1186,89 @@
     </pc:docChg>
   </pc:docChgLst>
   <pc:docChgLst>
-    <pc:chgData name="Kyle Taysom" userId="d5b1fbf4-2e61-4aa1-9ec9-82decbed1c1b" providerId="ADAL" clId="{BEF62FEF-E588-42E6-914A-B6C9E9866D80}"/>
+    <pc:chgData name="Kyle Taysom" userId="d5b1fbf4-2e61-4aa1-9ec9-82decbed1c1b" providerId="ADAL" clId="{31867A92-B162-4ED7-B77F-8002981A814B}"/>
+    <pc:docChg chg="custSel addSld delSld modSld">
+      <pc:chgData name="Kyle Taysom" userId="d5b1fbf4-2e61-4aa1-9ec9-82decbed1c1b" providerId="ADAL" clId="{31867A92-B162-4ED7-B77F-8002981A814B}" dt="2018-10-10T18:09:10.102" v="590" actId="20577"/>
+      <pc:docMkLst>
+        <pc:docMk/>
+      </pc:docMkLst>
+      <pc:sldChg chg="modSp">
+        <pc:chgData name="Kyle Taysom" userId="d5b1fbf4-2e61-4aa1-9ec9-82decbed1c1b" providerId="ADAL" clId="{31867A92-B162-4ED7-B77F-8002981A814B}" dt="2018-10-10T18:06:20.960" v="557" actId="20577"/>
+        <pc:sldMkLst>
+          <pc:docMk/>
+          <pc:sldMk cId="54518866" sldId="265"/>
+        </pc:sldMkLst>
+        <pc:spChg chg="mod">
+          <ac:chgData name="Kyle Taysom" userId="d5b1fbf4-2e61-4aa1-9ec9-82decbed1c1b" providerId="ADAL" clId="{31867A92-B162-4ED7-B77F-8002981A814B}" dt="2018-10-10T18:03:21.456" v="291" actId="20577"/>
+          <ac:spMkLst>
+            <pc:docMk/>
+            <pc:sldMk cId="54518866" sldId="265"/>
+            <ac:spMk id="2" creationId="{E399168B-6E37-4A02-BB83-CF32903E10CA}"/>
+          </ac:spMkLst>
+        </pc:spChg>
+        <pc:spChg chg="mod">
+          <ac:chgData name="Kyle Taysom" userId="d5b1fbf4-2e61-4aa1-9ec9-82decbed1c1b" providerId="ADAL" clId="{31867A92-B162-4ED7-B77F-8002981A814B}" dt="2018-10-10T18:06:20.960" v="557" actId="20577"/>
+          <ac:spMkLst>
+            <pc:docMk/>
+            <pc:sldMk cId="54518866" sldId="265"/>
+            <ac:spMk id="3" creationId="{246D6AE6-CBF8-409B-AA9D-86B58E628480}"/>
+          </ac:spMkLst>
+        </pc:spChg>
+      </pc:sldChg>
+      <pc:sldChg chg="modSp">
+        <pc:chgData name="Kyle Taysom" userId="d5b1fbf4-2e61-4aa1-9ec9-82decbed1c1b" providerId="ADAL" clId="{31867A92-B162-4ED7-B77F-8002981A814B}" dt="2018-10-10T18:09:10.102" v="590" actId="20577"/>
+        <pc:sldMkLst>
+          <pc:docMk/>
+          <pc:sldMk cId="3243930728" sldId="271"/>
+        </pc:sldMkLst>
+        <pc:graphicFrameChg chg="modGraphic">
+          <ac:chgData name="Kyle Taysom" userId="d5b1fbf4-2e61-4aa1-9ec9-82decbed1c1b" providerId="ADAL" clId="{31867A92-B162-4ED7-B77F-8002981A814B}" dt="2018-10-10T18:09:10.102" v="590" actId="20577"/>
+          <ac:graphicFrameMkLst>
+            <pc:docMk/>
+            <pc:sldMk cId="3243930728" sldId="271"/>
+            <ac:graphicFrameMk id="4" creationId="{8EDB451F-12B8-4EAE-BB82-8FBE960EA5C2}"/>
+          </ac:graphicFrameMkLst>
+        </pc:graphicFrameChg>
+      </pc:sldChg>
+      <pc:sldChg chg="modSp">
+        <pc:chgData name="Kyle Taysom" userId="d5b1fbf4-2e61-4aa1-9ec9-82decbed1c1b" providerId="ADAL" clId="{31867A92-B162-4ED7-B77F-8002981A814B}" dt="2018-10-10T18:08:40.815" v="589" actId="27636"/>
+        <pc:sldMkLst>
+          <pc:docMk/>
+          <pc:sldMk cId="4148816663" sldId="276"/>
+        </pc:sldMkLst>
+        <pc:spChg chg="mod">
+          <ac:chgData name="Kyle Taysom" userId="d5b1fbf4-2e61-4aa1-9ec9-82decbed1c1b" providerId="ADAL" clId="{31867A92-B162-4ED7-B77F-8002981A814B}" dt="2018-10-10T18:08:40.815" v="589" actId="27636"/>
+          <ac:spMkLst>
+            <pc:docMk/>
+            <pc:sldMk cId="4148816663" sldId="276"/>
+            <ac:spMk id="3" creationId="{FF376C34-0BB9-4DF2-8794-E9A6871A5BEB}"/>
+          </ac:spMkLst>
+        </pc:spChg>
+      </pc:sldChg>
+      <pc:sldChg chg="modSp add del">
+        <pc:chgData name="Kyle Taysom" userId="d5b1fbf4-2e61-4aa1-9ec9-82decbed1c1b" providerId="ADAL" clId="{31867A92-B162-4ED7-B77F-8002981A814B}" dt="2018-10-10T18:06:27.565" v="558" actId="2696"/>
+        <pc:sldMkLst>
+          <pc:docMk/>
+          <pc:sldMk cId="1399424597" sldId="290"/>
+        </pc:sldMkLst>
+        <pc:spChg chg="mod">
+          <ac:chgData name="Kyle Taysom" userId="d5b1fbf4-2e61-4aa1-9ec9-82decbed1c1b" providerId="ADAL" clId="{31867A92-B162-4ED7-B77F-8002981A814B}" dt="2018-10-10T18:01:14.932" v="14" actId="20577"/>
+          <ac:spMkLst>
+            <pc:docMk/>
+            <pc:sldMk cId="1399424597" sldId="290"/>
+            <ac:spMk id="2" creationId="{17E60FC3-C7CB-41B2-B291-BEFC94EE3A3E}"/>
+          </ac:spMkLst>
+        </pc:spChg>
+        <pc:spChg chg="mod">
+          <ac:chgData name="Kyle Taysom" userId="d5b1fbf4-2e61-4aa1-9ec9-82decbed1c1b" providerId="ADAL" clId="{31867A92-B162-4ED7-B77F-8002981A814B}" dt="2018-10-10T18:03:28.651" v="292"/>
+          <ac:spMkLst>
+            <pc:docMk/>
+            <pc:sldMk cId="1399424597" sldId="290"/>
+            <ac:spMk id="3" creationId="{3E87BDB4-5855-4947-A713-95C3FA543463}"/>
+          </ac:spMkLst>
+        </pc:spChg>
+      </pc:sldChg>
+    </pc:docChg>
   </pc:docChgLst>
 </pc:chgInfo>
 </file>
@@ -1518,7 +1518,7 @@
           <a:p>
             <a:fld id="{F2E9E1D2-6BE6-445F-8364-8ED2C7704272}" type="datetimeFigureOut">
               <a:rPr lang="en-US" smtClean="0"/>
-              <a:t>10/10/2018</a:t>
+              <a:t>5/14/2019</a:t>
             </a:fld>
             <a:endParaRPr lang="en-US"/>
           </a:p>
@@ -1780,7 +1780,7 @@
           <a:p>
             <a:fld id="{F2E9E1D2-6BE6-445F-8364-8ED2C7704272}" type="datetimeFigureOut">
               <a:rPr lang="en-US" smtClean="0"/>
-              <a:t>10/10/2018</a:t>
+              <a:t>5/14/2019</a:t>
             </a:fld>
             <a:endParaRPr lang="en-US"/>
           </a:p>
@@ -2015,7 +2015,7 @@
           <a:p>
             <a:fld id="{F2E9E1D2-6BE6-445F-8364-8ED2C7704272}" type="datetimeFigureOut">
               <a:rPr lang="en-US" smtClean="0"/>
-              <a:t>10/10/2018</a:t>
+              <a:t>5/14/2019</a:t>
             </a:fld>
             <a:endParaRPr lang="en-US"/>
           </a:p>
@@ -2255,7 +2255,7 @@
           <a:p>
             <a:fld id="{F2E9E1D2-6BE6-445F-8364-8ED2C7704272}" type="datetimeFigureOut">
               <a:rPr lang="en-US" smtClean="0"/>
-              <a:t>10/10/2018</a:t>
+              <a:t>5/14/2019</a:t>
             </a:fld>
             <a:endParaRPr lang="en-US"/>
           </a:p>
@@ -2562,7 +2562,7 @@
           <a:p>
             <a:fld id="{F2E9E1D2-6BE6-445F-8364-8ED2C7704272}" type="datetimeFigureOut">
               <a:rPr lang="en-US" smtClean="0"/>
-              <a:t>10/10/2018</a:t>
+              <a:t>5/14/2019</a:t>
             </a:fld>
             <a:endParaRPr lang="en-US"/>
           </a:p>
@@ -2864,7 +2864,7 @@
           <a:p>
             <a:fld id="{F2E9E1D2-6BE6-445F-8364-8ED2C7704272}" type="datetimeFigureOut">
               <a:rPr lang="en-US" smtClean="0"/>
-              <a:t>10/10/2018</a:t>
+              <a:t>5/14/2019</a:t>
             </a:fld>
             <a:endParaRPr lang="en-US"/>
           </a:p>
@@ -3286,7 +3286,7 @@
           <a:p>
             <a:fld id="{F2E9E1D2-6BE6-445F-8364-8ED2C7704272}" type="datetimeFigureOut">
               <a:rPr lang="en-US" smtClean="0"/>
-              <a:t>10/10/2018</a:t>
+              <a:t>5/14/2019</a:t>
             </a:fld>
             <a:endParaRPr lang="en-US"/>
           </a:p>
@@ -3448,7 +3448,7 @@
           <a:p>
             <a:fld id="{F2E9E1D2-6BE6-445F-8364-8ED2C7704272}" type="datetimeFigureOut">
               <a:rPr lang="en-US" smtClean="0"/>
-              <a:t>10/10/2018</a:t>
+              <a:t>5/14/2019</a:t>
             </a:fld>
             <a:endParaRPr lang="en-US"/>
           </a:p>
@@ -3543,7 +3543,7 @@
           <a:p>
             <a:fld id="{F2E9E1D2-6BE6-445F-8364-8ED2C7704272}" type="datetimeFigureOut">
               <a:rPr lang="en-US" smtClean="0"/>
-              <a:t>10/10/2018</a:t>
+              <a:t>5/14/2019</a:t>
             </a:fld>
             <a:endParaRPr lang="en-US"/>
           </a:p>
@@ -3921,7 +3921,7 @@
           <a:p>
             <a:fld id="{F2E9E1D2-6BE6-445F-8364-8ED2C7704272}" type="datetimeFigureOut">
               <a:rPr lang="en-US" smtClean="0"/>
-              <a:t>10/10/2018</a:t>
+              <a:t>5/14/2019</a:t>
             </a:fld>
             <a:endParaRPr lang="en-US"/>
           </a:p>
@@ -4210,7 +4210,7 @@
           <a:p>
             <a:fld id="{F2E9E1D2-6BE6-445F-8364-8ED2C7704272}" type="datetimeFigureOut">
               <a:rPr lang="en-US" smtClean="0"/>
-              <a:t>10/10/2018</a:t>
+              <a:t>5/14/2019</a:t>
             </a:fld>
             <a:endParaRPr lang="en-US"/>
           </a:p>
@@ -4421,7 +4421,7 @@
           <a:p>
             <a:fld id="{F2E9E1D2-6BE6-445F-8364-8ED2C7704272}" type="datetimeFigureOut">
               <a:rPr lang="en-US" smtClean="0"/>
-              <a:t>10/10/2018</a:t>
+              <a:t>5/14/2019</a:t>
             </a:fld>
             <a:endParaRPr lang="en-US"/>
           </a:p>
@@ -18949,7 +18949,7 @@
             <a:pPr marL="576000" lvl="2"/>
             <a:r>
               <a:rPr lang="en-US" sz="1600" dirty="0"/>
-              <a:t>DON_3Ac15Ac, T2HT2, HT2, FUM_B1, BUM_B2, FUM_B3, </a:t>
+              <a:t>DON_3Ac15Ac, T2HT2, HT2, FUM_B1, FUM_B2, FUM_B3, </a:t>
             </a:r>
             <a:r>
               <a:rPr lang="en-US" sz="1600" dirty="0" err="1"/>
